--- a/语义网/PPT素材精选-论文答辩模板04.pptx
+++ b/语义网/PPT素材精选-论文答辩模板04.pptx
@@ -19,7 +19,8 @@
     <p:sldId id="301" r:id="rId13"/>
     <p:sldId id="291" r:id="rId14"/>
     <p:sldId id="303" r:id="rId15"/>
-    <p:sldId id="288" r:id="rId16"/>
+    <p:sldId id="304" r:id="rId16"/>
+    <p:sldId id="288" r:id="rId17"/>
   </p:sldIdLst>
   <p:sldSz cx="9144000" cy="6858000" type="screen4x3"/>
   <p:notesSz cx="6858000" cy="9144000"/>
@@ -289,7 +290,7 @@
             <a:fld id="{76EF31D4-1AA4-45E7-8F10-C007A9A6DDB0}" type="datetimeFigureOut">
               <a:rPr lang="zh-HK" altLang="en-US" smtClean="0"/>
               <a:pPr/>
-              <a:t>28/4/2019</a:t>
+              <a:t>4/5/2019</a:t>
             </a:fld>
             <a:endParaRPr lang="zh-HK" altLang="en-US"/>
           </a:p>
@@ -461,7 +462,7 @@
             <a:fld id="{76EF31D4-1AA4-45E7-8F10-C007A9A6DDB0}" type="datetimeFigureOut">
               <a:rPr lang="zh-HK" altLang="en-US" smtClean="0"/>
               <a:pPr/>
-              <a:t>28/4/2019</a:t>
+              <a:t>4/5/2019</a:t>
             </a:fld>
             <a:endParaRPr lang="zh-HK" altLang="en-US"/>
           </a:p>
@@ -643,7 +644,7 @@
             <a:fld id="{76EF31D4-1AA4-45E7-8F10-C007A9A6DDB0}" type="datetimeFigureOut">
               <a:rPr lang="zh-HK" altLang="en-US" smtClean="0"/>
               <a:pPr/>
-              <a:t>28/4/2019</a:t>
+              <a:t>4/5/2019</a:t>
             </a:fld>
             <a:endParaRPr lang="zh-HK" altLang="en-US"/>
           </a:p>
@@ -843,7 +844,7 @@
                 </a:solidFill>
               </a:rPr>
               <a:pPr/>
-              <a:t>28/4/2019</a:t>
+              <a:t>4/5/2019</a:t>
             </a:fld>
             <a:endParaRPr lang="zh-HK" altLang="en-US">
               <a:solidFill>
@@ -1048,7 +1049,7 @@
                 </a:solidFill>
               </a:rPr>
               <a:pPr/>
-              <a:t>28/4/2019</a:t>
+              <a:t>4/5/2019</a:t>
             </a:fld>
             <a:endParaRPr lang="zh-HK" altLang="en-US">
               <a:solidFill>
@@ -1327,7 +1328,7 @@
                 </a:solidFill>
               </a:rPr>
               <a:pPr/>
-              <a:t>28/4/2019</a:t>
+              <a:t>4/5/2019</a:t>
             </a:fld>
             <a:endParaRPr lang="zh-HK" altLang="en-US">
               <a:solidFill>
@@ -1594,7 +1595,7 @@
                 </a:solidFill>
               </a:rPr>
               <a:pPr/>
-              <a:t>28/4/2019</a:t>
+              <a:t>4/5/2019</a:t>
             </a:fld>
             <a:endParaRPr lang="zh-HK" altLang="en-US">
               <a:solidFill>
@@ -1996,7 +1997,7 @@
                 </a:solidFill>
               </a:rPr>
               <a:pPr/>
-              <a:t>28/4/2019</a:t>
+              <a:t>4/5/2019</a:t>
             </a:fld>
             <a:endParaRPr lang="zh-HK" altLang="en-US">
               <a:solidFill>
@@ -2149,7 +2150,7 @@
                 </a:solidFill>
               </a:rPr>
               <a:pPr/>
-              <a:t>28/4/2019</a:t>
+              <a:t>4/5/2019</a:t>
             </a:fld>
             <a:endParaRPr lang="zh-HK" altLang="en-US">
               <a:solidFill>
@@ -2279,7 +2280,7 @@
                 </a:solidFill>
               </a:rPr>
               <a:pPr/>
-              <a:t>28/4/2019</a:t>
+              <a:t>4/5/2019</a:t>
             </a:fld>
             <a:endParaRPr lang="zh-HK" altLang="en-US">
               <a:solidFill>
@@ -2591,7 +2592,7 @@
                 </a:solidFill>
               </a:rPr>
               <a:pPr/>
-              <a:t>28/4/2019</a:t>
+              <a:t>4/5/2019</a:t>
             </a:fld>
             <a:endParaRPr lang="zh-HK" altLang="en-US">
               <a:solidFill>
@@ -2790,7 +2791,7 @@
             <a:fld id="{76EF31D4-1AA4-45E7-8F10-C007A9A6DDB0}" type="datetimeFigureOut">
               <a:rPr lang="zh-HK" altLang="en-US" smtClean="0"/>
               <a:pPr/>
-              <a:t>28/4/2019</a:t>
+              <a:t>4/5/2019</a:t>
             </a:fld>
             <a:endParaRPr lang="zh-HK" altLang="en-US"/>
           </a:p>
@@ -3055,7 +3056,7 @@
                 </a:solidFill>
               </a:rPr>
               <a:pPr/>
-              <a:t>28/4/2019</a:t>
+              <a:t>4/5/2019</a:t>
             </a:fld>
             <a:endParaRPr lang="zh-HK" altLang="en-US">
               <a:solidFill>
@@ -3260,7 +3261,7 @@
                 </a:solidFill>
               </a:rPr>
               <a:pPr/>
-              <a:t>28/4/2019</a:t>
+              <a:t>4/5/2019</a:t>
             </a:fld>
             <a:endParaRPr lang="zh-HK" altLang="en-US">
               <a:solidFill>
@@ -3475,7 +3476,7 @@
                 </a:solidFill>
               </a:rPr>
               <a:pPr/>
-              <a:t>28/4/2019</a:t>
+              <a:t>4/5/2019</a:t>
             </a:fld>
             <a:endParaRPr lang="zh-HK" altLang="en-US">
               <a:solidFill>
@@ -3748,7 +3749,7 @@
             <a:fld id="{76EF31D4-1AA4-45E7-8F10-C007A9A6DDB0}" type="datetimeFigureOut">
               <a:rPr lang="zh-HK" altLang="en-US" smtClean="0"/>
               <a:pPr/>
-              <a:t>28/4/2019</a:t>
+              <a:t>4/5/2019</a:t>
             </a:fld>
             <a:endParaRPr lang="zh-HK" altLang="en-US"/>
           </a:p>
@@ -3982,7 +3983,7 @@
             <a:fld id="{76EF31D4-1AA4-45E7-8F10-C007A9A6DDB0}" type="datetimeFigureOut">
               <a:rPr lang="zh-HK" altLang="en-US" smtClean="0"/>
               <a:pPr/>
-              <a:t>28/4/2019</a:t>
+              <a:t>4/5/2019</a:t>
             </a:fld>
             <a:endParaRPr lang="zh-HK" altLang="en-US"/>
           </a:p>
@@ -4351,7 +4352,7 @@
             <a:fld id="{76EF31D4-1AA4-45E7-8F10-C007A9A6DDB0}" type="datetimeFigureOut">
               <a:rPr lang="zh-HK" altLang="en-US" smtClean="0"/>
               <a:pPr/>
-              <a:t>28/4/2019</a:t>
+              <a:t>4/5/2019</a:t>
             </a:fld>
             <a:endParaRPr lang="zh-HK" altLang="en-US"/>
           </a:p>
@@ -4471,7 +4472,7 @@
             <a:fld id="{76EF31D4-1AA4-45E7-8F10-C007A9A6DDB0}" type="datetimeFigureOut">
               <a:rPr lang="zh-HK" altLang="en-US" smtClean="0"/>
               <a:pPr/>
-              <a:t>28/4/2019</a:t>
+              <a:t>4/5/2019</a:t>
             </a:fld>
             <a:endParaRPr lang="zh-HK" altLang="en-US"/>
           </a:p>
@@ -4568,7 +4569,7 @@
             <a:fld id="{76EF31D4-1AA4-45E7-8F10-C007A9A6DDB0}" type="datetimeFigureOut">
               <a:rPr lang="zh-HK" altLang="en-US" smtClean="0"/>
               <a:pPr/>
-              <a:t>28/4/2019</a:t>
+              <a:t>4/5/2019</a:t>
             </a:fld>
             <a:endParaRPr lang="zh-HK" altLang="en-US"/>
           </a:p>
@@ -4847,7 +4848,7 @@
             <a:fld id="{76EF31D4-1AA4-45E7-8F10-C007A9A6DDB0}" type="datetimeFigureOut">
               <a:rPr lang="zh-HK" altLang="en-US" smtClean="0"/>
               <a:pPr/>
-              <a:t>28/4/2019</a:t>
+              <a:t>4/5/2019</a:t>
             </a:fld>
             <a:endParaRPr lang="zh-HK" altLang="en-US"/>
           </a:p>
@@ -5106,7 +5107,7 @@
             <a:fld id="{76EF31D4-1AA4-45E7-8F10-C007A9A6DDB0}" type="datetimeFigureOut">
               <a:rPr lang="zh-HK" altLang="en-US" smtClean="0"/>
               <a:pPr/>
-              <a:t>28/4/2019</a:t>
+              <a:t>4/5/2019</a:t>
             </a:fld>
             <a:endParaRPr lang="zh-HK" altLang="en-US"/>
           </a:p>
@@ -5328,7 +5329,7 @@
             <a:fld id="{76EF31D4-1AA4-45E7-8F10-C007A9A6DDB0}" type="datetimeFigureOut">
               <a:rPr lang="zh-HK" altLang="en-US" smtClean="0"/>
               <a:pPr/>
-              <a:t>28/4/2019</a:t>
+              <a:t>4/5/2019</a:t>
             </a:fld>
             <a:endParaRPr lang="zh-HK" altLang="en-US"/>
           </a:p>
@@ -5883,7 +5884,7 @@
                 </a:solidFill>
               </a:rPr>
               <a:pPr/>
-              <a:t>28/4/2019</a:t>
+              <a:t>4/5/2019</a:t>
             </a:fld>
             <a:endParaRPr lang="zh-HK" altLang="en-US">
               <a:solidFill>
@@ -6358,7 +6359,7 @@
           <a:lstStyle/>
           <a:p>
             <a:pPr algn="ctr"/>
-            <a:endParaRPr lang="zh-CN" altLang="en-US"/>
+            <a:endParaRPr lang="zh-CN" altLang="en-US" dirty="0"/>
           </a:p>
         </p:txBody>
       </p:sp>
@@ -8107,7 +8108,7 @@
         <p:spPr>
           <a:xfrm>
             <a:off x="558565" y="1614958"/>
-            <a:ext cx="8258864" cy="830997"/>
+            <a:ext cx="8258864" cy="1569660"/>
           </a:xfrm>
           <a:prstGeom prst="rect">
             <a:avLst/>
@@ -8119,7 +8120,7 @@
           </a:bodyPr>
           <a:lstStyle/>
           <a:p>
-            <a:pPr lvl="0" algn="just"/>
+            <a:pPr algn="just"/>
             <a:r>
               <a:rPr lang="zh-CN" altLang="en-US" sz="2400" b="1" dirty="0">
                 <a:solidFill>
@@ -8128,8 +8129,18 @@
                 <a:latin typeface="微软雅黑" panose="020B0503020204020204" pitchFamily="34" charset="-122"/>
                 <a:ea typeface="微软雅黑" panose="020B0503020204020204" pitchFamily="34" charset="-122"/>
               </a:rPr>
-              <a:t>知识并不是非黑即白。删除所有的不确定性不仅是不可能的，而且是有害的，所以我们要对噪声数据物尽其用。</a:t>
-            </a:r>
+              <a:t>知识并不是非黑即白。删除所有的不确定性不仅是不可能的，而且是有害的，所以我们要对噪声数据物尽其用，文章中所使用的的概率框架模型主要分为两块。</a:t>
+            </a:r>
+            <a:endParaRPr lang="en-US" altLang="zh-CN" sz="2400" b="1" dirty="0">
+              <a:solidFill>
+                <a:srgbClr val="666666"/>
+              </a:solidFill>
+              <a:latin typeface="微软雅黑" panose="020B0503020204020204" pitchFamily="34" charset="-122"/>
+              <a:ea typeface="微软雅黑" panose="020B0503020204020204" pitchFamily="34" charset="-122"/>
+            </a:endParaRPr>
+          </a:p>
+          <a:p>
+            <a:pPr lvl="0" algn="just"/>
             <a:r>
               <a:rPr lang="en-US" altLang="zh-HK" sz="2400" b="1" dirty="0">
                 <a:solidFill>
@@ -8164,8 +8175,8 @@
         </p:nvSpPr>
         <p:spPr>
           <a:xfrm>
-            <a:off x="558564" y="2445955"/>
-            <a:ext cx="8258864" cy="461665"/>
+            <a:off x="558563" y="2565386"/>
+            <a:ext cx="8258864" cy="3354765"/>
           </a:xfrm>
           <a:prstGeom prst="rect">
             <a:avLst/>
@@ -8178,17 +8189,37 @@
           <a:lstStyle/>
           <a:p>
             <a:pPr lvl="0" algn="just"/>
-            <a:r>
-              <a:rPr lang="zh-CN" altLang="en-US" sz="2400" b="1" dirty="0">
+            <a:endParaRPr lang="en-US" altLang="zh-CN" sz="2400" b="1" dirty="0">
+              <a:solidFill>
+                <a:srgbClr val="666666"/>
+              </a:solidFill>
+              <a:latin typeface="微软雅黑" panose="020B0503020204020204" pitchFamily="34" charset="-122"/>
+              <a:ea typeface="微软雅黑" panose="020B0503020204020204" pitchFamily="34" charset="-122"/>
+            </a:endParaRPr>
+          </a:p>
+          <a:p>
+            <a:pPr lvl="0" algn="just"/>
+            <a:r>
+              <a:rPr lang="en-US" altLang="zh-CN" sz="2400" dirty="0">
                 <a:solidFill>
                   <a:srgbClr val="666666"/>
                 </a:solidFill>
                 <a:latin typeface="微软雅黑" panose="020B0503020204020204" pitchFamily="34" charset="-122"/>
                 <a:ea typeface="微软雅黑" panose="020B0503020204020204" pitchFamily="34" charset="-122"/>
               </a:rPr>
-              <a:t>概率框架模型分为两块：合理性和典型性</a:t>
-            </a:r>
-            <a:endParaRPr lang="zh-HK" altLang="zh-HK" sz="2400" b="1" dirty="0">
+              <a:t>1. </a:t>
+            </a:r>
+            <a:r>
+              <a:rPr lang="zh-CN" altLang="en-US" sz="2400" dirty="0">
+                <a:solidFill>
+                  <a:srgbClr val="666666"/>
+                </a:solidFill>
+                <a:latin typeface="微软雅黑" panose="020B0503020204020204" pitchFamily="34" charset="-122"/>
+                <a:ea typeface="微软雅黑" panose="020B0503020204020204" pitchFamily="34" charset="-122"/>
+              </a:rPr>
+              <a:t>合理性</a:t>
+            </a:r>
+            <a:endParaRPr lang="en-US" altLang="zh-CN" sz="2400" dirty="0">
               <a:solidFill>
                 <a:srgbClr val="666666"/>
               </a:solidFill>
@@ -8196,8 +8227,188 @@
               <a:ea typeface="微软雅黑" panose="020B0503020204020204" pitchFamily="34" charset="-122"/>
             </a:endParaRPr>
           </a:p>
-        </p:txBody>
-      </p:sp>
+          <a:p>
+            <a:pPr lvl="0" algn="just"/>
+            <a:endParaRPr lang="en-US" altLang="zh-CN" sz="1600" dirty="0">
+              <a:solidFill>
+                <a:srgbClr val="666666"/>
+              </a:solidFill>
+              <a:latin typeface="微软雅黑" panose="020B0503020204020204" pitchFamily="34" charset="-122"/>
+              <a:ea typeface="微软雅黑" panose="020B0503020204020204" pitchFamily="34" charset="-122"/>
+            </a:endParaRPr>
+          </a:p>
+          <a:p>
+            <a:pPr lvl="0" algn="just"/>
+            <a:r>
+              <a:rPr lang="zh-CN" altLang="en-US" sz="2000" dirty="0">
+                <a:solidFill>
+                  <a:srgbClr val="666666"/>
+                </a:solidFill>
+                <a:latin typeface="微软雅黑" panose="020B0503020204020204" pitchFamily="34" charset="-122"/>
+                <a:ea typeface="微软雅黑" panose="020B0503020204020204" pitchFamily="34" charset="-122"/>
+              </a:rPr>
+              <a:t>在许多例子中，对与错没有明确的界限，额外的数据来源也不是很可靠。所以如果我们要确定</a:t>
+            </a:r>
+            <a:r>
+              <a:rPr lang="en-US" altLang="zh-CN" sz="2000" dirty="0" err="1">
+                <a:solidFill>
+                  <a:srgbClr val="666666"/>
+                </a:solidFill>
+                <a:latin typeface="微软雅黑" panose="020B0503020204020204" pitchFamily="34" charset="-122"/>
+                <a:ea typeface="微软雅黑" panose="020B0503020204020204" pitchFamily="34" charset="-122"/>
+              </a:rPr>
+              <a:t>isA</a:t>
+            </a:r>
+            <a:r>
+              <a:rPr lang="zh-CN" altLang="en-US" sz="2000" dirty="0">
+                <a:solidFill>
+                  <a:srgbClr val="666666"/>
+                </a:solidFill>
+                <a:latin typeface="微软雅黑" panose="020B0503020204020204" pitchFamily="34" charset="-122"/>
+                <a:ea typeface="微软雅黑" panose="020B0503020204020204" pitchFamily="34" charset="-122"/>
+              </a:rPr>
+              <a:t>关系的合理性，就必须要考虑到所有的句子中相关的</a:t>
+            </a:r>
+            <a:r>
+              <a:rPr lang="en-US" altLang="zh-CN" sz="2000" dirty="0" err="1">
+                <a:solidFill>
+                  <a:srgbClr val="666666"/>
+                </a:solidFill>
+                <a:latin typeface="微软雅黑" panose="020B0503020204020204" pitchFamily="34" charset="-122"/>
+                <a:ea typeface="微软雅黑" panose="020B0503020204020204" pitchFamily="34" charset="-122"/>
+              </a:rPr>
+              <a:t>isA</a:t>
+            </a:r>
+            <a:r>
+              <a:rPr lang="zh-CN" altLang="en-US" sz="2000" dirty="0">
+                <a:solidFill>
+                  <a:srgbClr val="666666"/>
+                </a:solidFill>
+                <a:latin typeface="微软雅黑" panose="020B0503020204020204" pitchFamily="34" charset="-122"/>
+                <a:ea typeface="微软雅黑" panose="020B0503020204020204" pitchFamily="34" charset="-122"/>
+              </a:rPr>
+              <a:t>的关系。</a:t>
+            </a:r>
+            <a:endParaRPr lang="en-US" altLang="zh-CN" sz="2000" dirty="0">
+              <a:solidFill>
+                <a:srgbClr val="666666"/>
+              </a:solidFill>
+              <a:latin typeface="微软雅黑" panose="020B0503020204020204" pitchFamily="34" charset="-122"/>
+              <a:ea typeface="微软雅黑" panose="020B0503020204020204" pitchFamily="34" charset="-122"/>
+            </a:endParaRPr>
+          </a:p>
+          <a:p>
+            <a:pPr lvl="0" algn="just"/>
+            <a:r>
+              <a:rPr lang="zh-CN" altLang="en-US" sz="2000" dirty="0">
+                <a:solidFill>
+                  <a:srgbClr val="666666"/>
+                </a:solidFill>
+                <a:latin typeface="微软雅黑" panose="020B0503020204020204" pitchFamily="34" charset="-122"/>
+                <a:ea typeface="微软雅黑" panose="020B0503020204020204" pitchFamily="34" charset="-122"/>
+              </a:rPr>
+              <a:t>对不同的噪声模型，</a:t>
+            </a:r>
+            <a:r>
+              <a:rPr lang="en-US" altLang="zh-CN" sz="2000" dirty="0">
+                <a:solidFill>
+                  <a:srgbClr val="666666"/>
+                </a:solidFill>
+                <a:latin typeface="微软雅黑" panose="020B0503020204020204" pitchFamily="34" charset="-122"/>
+                <a:ea typeface="微软雅黑" panose="020B0503020204020204" pitchFamily="34" charset="-122"/>
+              </a:rPr>
+              <a:t>pi</a:t>
+            </a:r>
+            <a:r>
+              <a:rPr lang="zh-CN" altLang="en-US" sz="2000" dirty="0">
+                <a:solidFill>
+                  <a:srgbClr val="666666"/>
+                </a:solidFill>
+                <a:latin typeface="微软雅黑" panose="020B0503020204020204" pitchFamily="34" charset="-122"/>
+                <a:ea typeface="微软雅黑" panose="020B0503020204020204" pitchFamily="34" charset="-122"/>
+              </a:rPr>
+              <a:t>的计算是不同的，但是</a:t>
+            </a:r>
+            <a:r>
+              <a:rPr lang="en-US" altLang="zh-CN" sz="2000" dirty="0" err="1">
+                <a:solidFill>
+                  <a:srgbClr val="666666"/>
+                </a:solidFill>
+                <a:latin typeface="微软雅黑" panose="020B0503020204020204" pitchFamily="34" charset="-122"/>
+                <a:ea typeface="微软雅黑" panose="020B0503020204020204" pitchFamily="34" charset="-122"/>
+              </a:rPr>
+              <a:t>isA</a:t>
+            </a:r>
+            <a:r>
+              <a:rPr lang="zh-CN" altLang="en-US" sz="2000" dirty="0">
+                <a:solidFill>
+                  <a:srgbClr val="666666"/>
+                </a:solidFill>
+                <a:latin typeface="微软雅黑" panose="020B0503020204020204" pitchFamily="34" charset="-122"/>
+                <a:ea typeface="微软雅黑" panose="020B0503020204020204" pitchFamily="34" charset="-122"/>
+              </a:rPr>
+              <a:t>关系的合理性由下式给出。</a:t>
+            </a:r>
+            <a:endParaRPr lang="en-US" altLang="zh-CN" sz="3200" b="1" dirty="0">
+              <a:solidFill>
+                <a:srgbClr val="666666"/>
+              </a:solidFill>
+              <a:latin typeface="微软雅黑" panose="020B0503020204020204" pitchFamily="34" charset="-122"/>
+              <a:ea typeface="微软雅黑" panose="020B0503020204020204" pitchFamily="34" charset="-122"/>
+            </a:endParaRPr>
+          </a:p>
+          <a:p>
+            <a:pPr lvl="0" algn="just"/>
+            <a:endParaRPr lang="en-US" altLang="zh-CN" sz="2400" b="1" dirty="0">
+              <a:solidFill>
+                <a:srgbClr val="666666"/>
+              </a:solidFill>
+              <a:latin typeface="微软雅黑" panose="020B0503020204020204" pitchFamily="34" charset="-122"/>
+              <a:ea typeface="微软雅黑" panose="020B0503020204020204" pitchFamily="34" charset="-122"/>
+            </a:endParaRPr>
+          </a:p>
+          <a:p>
+            <a:pPr lvl="0" algn="just"/>
+            <a:endParaRPr lang="en-US" altLang="zh-CN" sz="2400" b="1" dirty="0">
+              <a:solidFill>
+                <a:srgbClr val="666666"/>
+              </a:solidFill>
+              <a:latin typeface="微软雅黑" panose="020B0503020204020204" pitchFamily="34" charset="-122"/>
+              <a:ea typeface="微软雅黑" panose="020B0503020204020204" pitchFamily="34" charset="-122"/>
+            </a:endParaRPr>
+          </a:p>
+        </p:txBody>
+      </p:sp>
+      <p:pic>
+        <p:nvPicPr>
+          <p:cNvPr id="3" name="图片 2">
+            <a:extLst>
+              <a:ext uri="{FF2B5EF4-FFF2-40B4-BE49-F238E27FC236}">
+                <a16:creationId xmlns:a16="http://schemas.microsoft.com/office/drawing/2014/main" id="{4737566C-3090-498D-8F3C-A9F15311A8AB}"/>
+              </a:ext>
+            </a:extLst>
+          </p:cNvPr>
+          <p:cNvPicPr>
+            <a:picLocks noChangeAspect="1"/>
+          </p:cNvPicPr>
+          <p:nvPr/>
+        </p:nvPicPr>
+        <p:blipFill>
+          <a:blip r:embed="rId2"/>
+          <a:stretch>
+            <a:fillRect/>
+          </a:stretch>
+        </p:blipFill>
+        <p:spPr>
+          <a:xfrm>
+            <a:off x="1838325" y="5243042"/>
+            <a:ext cx="5467350" cy="866775"/>
+          </a:xfrm>
+          <a:prstGeom prst="rect">
+            <a:avLst/>
+          </a:prstGeom>
+        </p:spPr>
+      </p:pic>
     </p:spTree>
     <p:extLst>
       <p:ext uri="{BB962C8B-B14F-4D97-AF65-F5344CB8AC3E}">
@@ -8233,6 +8444,362 @@
       </p:grpSpPr>
       <p:sp>
         <p:nvSpPr>
+          <p:cNvPr id="21" name="矩形 20">
+            <a:extLst>
+              <a:ext uri="{FF2B5EF4-FFF2-40B4-BE49-F238E27FC236}">
+                <a16:creationId xmlns:a16="http://schemas.microsoft.com/office/drawing/2014/main" id="{9B1D127D-8CF6-4AB2-81AB-19CE6934396D}"/>
+              </a:ext>
+            </a:extLst>
+          </p:cNvPr>
+          <p:cNvSpPr/>
+          <p:nvPr/>
+        </p:nvSpPr>
+        <p:spPr>
+          <a:xfrm>
+            <a:off x="0" y="0"/>
+            <a:ext cx="9144000" cy="1045910"/>
+          </a:xfrm>
+          <a:prstGeom prst="rect">
+            <a:avLst/>
+          </a:prstGeom>
+          <a:solidFill>
+            <a:srgbClr val="0174AB"/>
+          </a:solidFill>
+          <a:ln>
+            <a:noFill/>
+          </a:ln>
+          <a:effectLst>
+            <a:outerShdw blurRad="50800" dist="12700" dir="5400000" algn="t" rotWithShape="0">
+              <a:prstClr val="black">
+                <a:alpha val="40000"/>
+              </a:prstClr>
+            </a:outerShdw>
+          </a:effectLst>
+        </p:spPr>
+        <p:style>
+          <a:lnRef idx="2">
+            <a:schemeClr val="accent1">
+              <a:shade val="50000"/>
+            </a:schemeClr>
+          </a:lnRef>
+          <a:fillRef idx="1">
+            <a:schemeClr val="accent1"/>
+          </a:fillRef>
+          <a:effectRef idx="0">
+            <a:schemeClr val="accent1"/>
+          </a:effectRef>
+          <a:fontRef idx="minor">
+            <a:schemeClr val="lt1"/>
+          </a:fontRef>
+        </p:style>
+        <p:txBody>
+          <a:bodyPr rtlCol="0" anchor="ctr"/>
+          <a:lstStyle/>
+          <a:p>
+            <a:pPr algn="ctr"/>
+            <a:endParaRPr lang="zh-HK" altLang="en-US"/>
+          </a:p>
+        </p:txBody>
+      </p:sp>
+      <p:sp>
+        <p:nvSpPr>
+          <p:cNvPr id="22" name="文本框 21">
+            <a:extLst>
+              <a:ext uri="{FF2B5EF4-FFF2-40B4-BE49-F238E27FC236}">
+                <a16:creationId xmlns:a16="http://schemas.microsoft.com/office/drawing/2014/main" id="{5B37BC4C-78A3-4E72-9BDC-3B9E112E32D8}"/>
+              </a:ext>
+            </a:extLst>
+          </p:cNvPr>
+          <p:cNvSpPr txBox="1"/>
+          <p:nvPr/>
+        </p:nvSpPr>
+        <p:spPr>
+          <a:xfrm>
+            <a:off x="351460" y="276468"/>
+            <a:ext cx="4220540" cy="584775"/>
+          </a:xfrm>
+          <a:prstGeom prst="rect">
+            <a:avLst/>
+          </a:prstGeom>
+          <a:noFill/>
+        </p:spPr>
+        <p:txBody>
+          <a:bodyPr wrap="square" rtlCol="0">
+            <a:spAutoFit/>
+          </a:bodyPr>
+          <a:lstStyle/>
+          <a:p>
+            <a:r>
+              <a:rPr lang="zh-CN" altLang="en-US" sz="3200" b="1" spc="300" dirty="0">
+                <a:solidFill>
+                  <a:schemeClr val="bg1"/>
+                </a:solidFill>
+                <a:latin typeface="微软雅黑" panose="020B0503020204020204" pitchFamily="34" charset="-122"/>
+                <a:ea typeface="微软雅黑" panose="020B0503020204020204" pitchFamily="34" charset="-122"/>
+              </a:rPr>
+              <a:t>概率模型构造</a:t>
+            </a:r>
+            <a:endParaRPr lang="zh-HK" altLang="en-US" sz="3200" b="1" spc="300" dirty="0">
+              <a:solidFill>
+                <a:schemeClr val="bg1"/>
+              </a:solidFill>
+              <a:latin typeface="微软雅黑" panose="020B0503020204020204" pitchFamily="34" charset="-122"/>
+              <a:ea typeface="微软雅黑" panose="020B0503020204020204" pitchFamily="34" charset="-122"/>
+            </a:endParaRPr>
+          </a:p>
+        </p:txBody>
+      </p:sp>
+      <p:sp>
+        <p:nvSpPr>
+          <p:cNvPr id="5" name="矩形 4">
+            <a:extLst>
+              <a:ext uri="{FF2B5EF4-FFF2-40B4-BE49-F238E27FC236}">
+                <a16:creationId xmlns:a16="http://schemas.microsoft.com/office/drawing/2014/main" id="{7BEF3146-AF53-4E7D-B08E-98114A1DA141}"/>
+              </a:ext>
+            </a:extLst>
+          </p:cNvPr>
+          <p:cNvSpPr/>
+          <p:nvPr/>
+        </p:nvSpPr>
+        <p:spPr>
+          <a:xfrm>
+            <a:off x="558565" y="1614958"/>
+            <a:ext cx="8258864" cy="1569660"/>
+          </a:xfrm>
+          <a:prstGeom prst="rect">
+            <a:avLst/>
+          </a:prstGeom>
+        </p:spPr>
+        <p:txBody>
+          <a:bodyPr wrap="square">
+            <a:spAutoFit/>
+          </a:bodyPr>
+          <a:lstStyle/>
+          <a:p>
+            <a:pPr algn="just"/>
+            <a:r>
+              <a:rPr lang="zh-CN" altLang="en-US" sz="2400" b="1" dirty="0">
+                <a:solidFill>
+                  <a:srgbClr val="666666"/>
+                </a:solidFill>
+                <a:latin typeface="微软雅黑" panose="020B0503020204020204" pitchFamily="34" charset="-122"/>
+                <a:ea typeface="微软雅黑" panose="020B0503020204020204" pitchFamily="34" charset="-122"/>
+              </a:rPr>
+              <a:t>知识并不是非黑即白。删除所有的不确定性不仅是不可能的，而且是有害的，所以我们要对噪声数据物尽其用，文章中所使用的的概率框架模型主要分为两块。</a:t>
+            </a:r>
+            <a:endParaRPr lang="en-US" altLang="zh-CN" sz="2400" b="1" dirty="0">
+              <a:solidFill>
+                <a:srgbClr val="666666"/>
+              </a:solidFill>
+              <a:latin typeface="微软雅黑" panose="020B0503020204020204" pitchFamily="34" charset="-122"/>
+              <a:ea typeface="微软雅黑" panose="020B0503020204020204" pitchFamily="34" charset="-122"/>
+            </a:endParaRPr>
+          </a:p>
+          <a:p>
+            <a:pPr lvl="0" algn="just"/>
+            <a:r>
+              <a:rPr lang="en-US" altLang="zh-HK" sz="2400" b="1" dirty="0">
+                <a:solidFill>
+                  <a:srgbClr val="666666"/>
+                </a:solidFill>
+                <a:latin typeface="微软雅黑" panose="020B0503020204020204" pitchFamily="34" charset="-122"/>
+                <a:ea typeface="微软雅黑" panose="020B0503020204020204" pitchFamily="34" charset="-122"/>
+              </a:rPr>
+              <a:t>	</a:t>
+            </a:r>
+            <a:endParaRPr lang="zh-HK" altLang="zh-HK" sz="2400" b="1" dirty="0">
+              <a:solidFill>
+                <a:srgbClr val="666666"/>
+              </a:solidFill>
+              <a:latin typeface="微软雅黑" panose="020B0503020204020204" pitchFamily="34" charset="-122"/>
+              <a:ea typeface="微软雅黑" panose="020B0503020204020204" pitchFamily="34" charset="-122"/>
+            </a:endParaRPr>
+          </a:p>
+        </p:txBody>
+      </p:sp>
+      <p:sp>
+        <p:nvSpPr>
+          <p:cNvPr id="14" name="矩形 13">
+            <a:extLst>
+              <a:ext uri="{FF2B5EF4-FFF2-40B4-BE49-F238E27FC236}">
+                <a16:creationId xmlns:a16="http://schemas.microsoft.com/office/drawing/2014/main" id="{83237269-C972-4B96-9995-F21AE713B360}"/>
+              </a:ext>
+            </a:extLst>
+          </p:cNvPr>
+          <p:cNvSpPr/>
+          <p:nvPr/>
+        </p:nvSpPr>
+        <p:spPr>
+          <a:xfrm>
+            <a:off x="558563" y="2565386"/>
+            <a:ext cx="8258864" cy="3046988"/>
+          </a:xfrm>
+          <a:prstGeom prst="rect">
+            <a:avLst/>
+          </a:prstGeom>
+        </p:spPr>
+        <p:txBody>
+          <a:bodyPr wrap="square">
+            <a:spAutoFit/>
+          </a:bodyPr>
+          <a:lstStyle/>
+          <a:p>
+            <a:pPr lvl="0" algn="just"/>
+            <a:endParaRPr lang="en-US" altLang="zh-CN" sz="2400" b="1" dirty="0">
+              <a:solidFill>
+                <a:srgbClr val="666666"/>
+              </a:solidFill>
+              <a:latin typeface="微软雅黑" panose="020B0503020204020204" pitchFamily="34" charset="-122"/>
+              <a:ea typeface="微软雅黑" panose="020B0503020204020204" pitchFamily="34" charset="-122"/>
+            </a:endParaRPr>
+          </a:p>
+          <a:p>
+            <a:pPr lvl="0" algn="just"/>
+            <a:r>
+              <a:rPr lang="en-US" altLang="zh-CN" sz="2400" dirty="0">
+                <a:solidFill>
+                  <a:srgbClr val="666666"/>
+                </a:solidFill>
+                <a:latin typeface="微软雅黑" panose="020B0503020204020204" pitchFamily="34" charset="-122"/>
+                <a:ea typeface="微软雅黑" panose="020B0503020204020204" pitchFamily="34" charset="-122"/>
+              </a:rPr>
+              <a:t>2. </a:t>
+            </a:r>
+            <a:r>
+              <a:rPr lang="zh-CN" altLang="en-US" sz="2400" dirty="0">
+                <a:solidFill>
+                  <a:srgbClr val="666666"/>
+                </a:solidFill>
+                <a:latin typeface="微软雅黑" panose="020B0503020204020204" pitchFamily="34" charset="-122"/>
+                <a:ea typeface="微软雅黑" panose="020B0503020204020204" pitchFamily="34" charset="-122"/>
+              </a:rPr>
+              <a:t>典型性</a:t>
+            </a:r>
+            <a:endParaRPr lang="en-US" altLang="zh-CN" sz="2400" dirty="0">
+              <a:solidFill>
+                <a:srgbClr val="666666"/>
+              </a:solidFill>
+              <a:latin typeface="微软雅黑" panose="020B0503020204020204" pitchFamily="34" charset="-122"/>
+              <a:ea typeface="微软雅黑" panose="020B0503020204020204" pitchFamily="34" charset="-122"/>
+            </a:endParaRPr>
+          </a:p>
+          <a:p>
+            <a:pPr lvl="0" algn="just"/>
+            <a:endParaRPr lang="en-US" altLang="zh-CN" sz="1600" dirty="0">
+              <a:solidFill>
+                <a:srgbClr val="666666"/>
+              </a:solidFill>
+              <a:latin typeface="微软雅黑" panose="020B0503020204020204" pitchFamily="34" charset="-122"/>
+              <a:ea typeface="微软雅黑" panose="020B0503020204020204" pitchFamily="34" charset="-122"/>
+            </a:endParaRPr>
+          </a:p>
+          <a:p>
+            <a:pPr lvl="0" algn="just"/>
+            <a:r>
+              <a:rPr lang="zh-CN" altLang="en-US" sz="2000" dirty="0">
+                <a:solidFill>
+                  <a:srgbClr val="666666"/>
+                </a:solidFill>
+                <a:latin typeface="微软雅黑" panose="020B0503020204020204" pitchFamily="34" charset="-122"/>
+                <a:ea typeface="微软雅黑" panose="020B0503020204020204" pitchFamily="34" charset="-122"/>
+              </a:rPr>
+              <a:t>除了合理性，概率模型的构造还需要典型性。典型性是用来判断子实例和概念之间的相关程度。比如（知更鸟，鸟）的相关程度比（知更鸟，鸵鸟）要大的多，从而我们就可以判断出知更鸟与鸟的相关性更大。推导方式如下</a:t>
+            </a:r>
+            <a:endParaRPr lang="en-US" altLang="zh-CN" sz="3200" b="1" dirty="0">
+              <a:solidFill>
+                <a:srgbClr val="666666"/>
+              </a:solidFill>
+              <a:latin typeface="微软雅黑" panose="020B0503020204020204" pitchFamily="34" charset="-122"/>
+              <a:ea typeface="微软雅黑" panose="020B0503020204020204" pitchFamily="34" charset="-122"/>
+            </a:endParaRPr>
+          </a:p>
+          <a:p>
+            <a:pPr lvl="0" algn="just"/>
+            <a:endParaRPr lang="en-US" altLang="zh-CN" sz="2400" b="1" dirty="0">
+              <a:solidFill>
+                <a:srgbClr val="666666"/>
+              </a:solidFill>
+              <a:latin typeface="微软雅黑" panose="020B0503020204020204" pitchFamily="34" charset="-122"/>
+              <a:ea typeface="微软雅黑" panose="020B0503020204020204" pitchFamily="34" charset="-122"/>
+            </a:endParaRPr>
+          </a:p>
+          <a:p>
+            <a:pPr lvl="0" algn="just"/>
+            <a:endParaRPr lang="en-US" altLang="zh-CN" sz="2400" b="1" dirty="0">
+              <a:solidFill>
+                <a:srgbClr val="666666"/>
+              </a:solidFill>
+              <a:latin typeface="微软雅黑" panose="020B0503020204020204" pitchFamily="34" charset="-122"/>
+              <a:ea typeface="微软雅黑" panose="020B0503020204020204" pitchFamily="34" charset="-122"/>
+            </a:endParaRPr>
+          </a:p>
+        </p:txBody>
+      </p:sp>
+      <p:pic>
+        <p:nvPicPr>
+          <p:cNvPr id="2" name="图片 1">
+            <a:extLst>
+              <a:ext uri="{FF2B5EF4-FFF2-40B4-BE49-F238E27FC236}">
+                <a16:creationId xmlns:a16="http://schemas.microsoft.com/office/drawing/2014/main" id="{7641EF61-F703-4EBF-B8E0-B895B9392297}"/>
+              </a:ext>
+            </a:extLst>
+          </p:cNvPr>
+          <p:cNvPicPr>
+            <a:picLocks noChangeAspect="1"/>
+          </p:cNvPicPr>
+          <p:nvPr/>
+        </p:nvPicPr>
+        <p:blipFill>
+          <a:blip r:embed="rId2"/>
+          <a:stretch>
+            <a:fillRect/>
+          </a:stretch>
+        </p:blipFill>
+        <p:spPr>
+          <a:xfrm>
+            <a:off x="2662237" y="4934420"/>
+            <a:ext cx="3819525" cy="962025"/>
+          </a:xfrm>
+          <a:prstGeom prst="rect">
+            <a:avLst/>
+          </a:prstGeom>
+        </p:spPr>
+      </p:pic>
+    </p:spTree>
+    <p:extLst>
+      <p:ext uri="{BB962C8B-B14F-4D97-AF65-F5344CB8AC3E}">
+        <p14:creationId xmlns:p14="http://schemas.microsoft.com/office/powerpoint/2010/main" val="2473745248"/>
+      </p:ext>
+    </p:extLst>
+  </p:cSld>
+  <p:clrMapOvr>
+    <a:masterClrMapping/>
+  </p:clrMapOvr>
+  <p:transition>
+    <p:wipe/>
+  </p:transition>
+</p:sld>
+</file>
+
+<file path=ppt/slides/slide15.xml><?xml version="1.0" encoding="utf-8"?>
+<p:sld xmlns:a="http://schemas.openxmlformats.org/drawingml/2006/main" xmlns:r="http://schemas.openxmlformats.org/officeDocument/2006/relationships" xmlns:p="http://schemas.openxmlformats.org/presentationml/2006/main">
+  <p:cSld>
+    <p:spTree>
+      <p:nvGrpSpPr>
+        <p:cNvPr id="1" name=""/>
+        <p:cNvGrpSpPr/>
+        <p:nvPr/>
+      </p:nvGrpSpPr>
+      <p:grpSpPr>
+        <a:xfrm>
+          <a:off x="0" y="0"/>
+          <a:ext cx="0" cy="0"/>
+          <a:chOff x="0" y="0"/>
+          <a:chExt cx="0" cy="0"/>
+        </a:xfrm>
+      </p:grpSpPr>
+      <p:sp>
+        <p:nvSpPr>
           <p:cNvPr id="2" name="矩形 1"/>
           <p:cNvSpPr/>
           <p:nvPr/>
@@ -8287,127 +8854,6 @@
           </a:p>
         </p:txBody>
       </p:sp>
-      <p:grpSp>
-        <p:nvGrpSpPr>
-          <p:cNvPr id="5" name="组合 4"/>
-          <p:cNvGrpSpPr/>
-          <p:nvPr/>
-        </p:nvGrpSpPr>
-        <p:grpSpPr>
-          <a:xfrm>
-            <a:off x="3009900" y="4758425"/>
-            <a:ext cx="3124200" cy="461665"/>
-            <a:chOff x="2425700" y="4391967"/>
-            <a:chExt cx="3124200" cy="461665"/>
-          </a:xfrm>
-        </p:grpSpPr>
-        <p:sp>
-          <p:nvSpPr>
-            <p:cNvPr id="3" name="矩形 2"/>
-            <p:cNvSpPr/>
-            <p:nvPr/>
-          </p:nvSpPr>
-          <p:spPr>
-            <a:xfrm>
-              <a:off x="2425700" y="4406899"/>
-              <a:ext cx="1244600" cy="431800"/>
-            </a:xfrm>
-            <a:prstGeom prst="rect">
-              <a:avLst/>
-            </a:prstGeom>
-            <a:solidFill>
-              <a:srgbClr val="92D14F"/>
-            </a:solidFill>
-            <a:ln>
-              <a:noFill/>
-            </a:ln>
-            <a:effectLst>
-              <a:outerShdw blurRad="63500" sx="102000" sy="102000" algn="ctr" rotWithShape="0">
-                <a:prstClr val="black">
-                  <a:alpha val="40000"/>
-                </a:prstClr>
-              </a:outerShdw>
-            </a:effectLst>
-          </p:spPr>
-          <p:style>
-            <a:lnRef idx="2">
-              <a:schemeClr val="accent1">
-                <a:shade val="50000"/>
-              </a:schemeClr>
-            </a:lnRef>
-            <a:fillRef idx="1">
-              <a:schemeClr val="accent1"/>
-            </a:fillRef>
-            <a:effectRef idx="0">
-              <a:schemeClr val="accent1"/>
-            </a:effectRef>
-            <a:fontRef idx="minor">
-              <a:schemeClr val="lt1"/>
-            </a:fontRef>
-          </p:style>
-          <p:txBody>
-            <a:bodyPr rtlCol="0" anchor="ctr"/>
-            <a:lstStyle/>
-            <a:p>
-              <a:pPr algn="ctr"/>
-              <a:r>
-                <a:rPr lang="en-US" altLang="zh-CN" sz="2400" b="1" dirty="0">
-                  <a:latin typeface="微软雅黑" panose="020B0503020204020204" pitchFamily="34" charset="-122"/>
-                  <a:ea typeface="微软雅黑" panose="020B0503020204020204" pitchFamily="34" charset="-122"/>
-                </a:rPr>
-                <a:t>NAME</a:t>
-              </a:r>
-              <a:endParaRPr lang="zh-HK" altLang="en-US" sz="2400" b="1" dirty="0">
-                <a:latin typeface="微软雅黑" panose="020B0503020204020204" pitchFamily="34" charset="-122"/>
-                <a:ea typeface="微软雅黑" panose="020B0503020204020204" pitchFamily="34" charset="-122"/>
-              </a:endParaRPr>
-            </a:p>
-          </p:txBody>
-        </p:sp>
-        <p:sp>
-          <p:nvSpPr>
-            <p:cNvPr id="4" name="文本框 3"/>
-            <p:cNvSpPr txBox="1"/>
-            <p:nvPr/>
-          </p:nvSpPr>
-          <p:spPr>
-            <a:xfrm>
-              <a:off x="3886200" y="4391967"/>
-              <a:ext cx="1663700" cy="461665"/>
-            </a:xfrm>
-            <a:prstGeom prst="rect">
-              <a:avLst/>
-            </a:prstGeom>
-            <a:noFill/>
-          </p:spPr>
-          <p:txBody>
-            <a:bodyPr wrap="square" rtlCol="0">
-              <a:spAutoFit/>
-            </a:bodyPr>
-            <a:lstStyle/>
-            <a:p>
-              <a:pPr algn="ctr"/>
-              <a:r>
-                <a:rPr lang="en-US" altLang="zh-CN" sz="2400" b="1" spc="300" dirty="0">
-                  <a:solidFill>
-                    <a:srgbClr val="0174AB"/>
-                  </a:solidFill>
-                  <a:latin typeface="微软雅黑" panose="020B0503020204020204" pitchFamily="34" charset="-122"/>
-                  <a:ea typeface="微软雅黑" panose="020B0503020204020204" pitchFamily="34" charset="-122"/>
-                </a:rPr>
-                <a:t>DAMEN</a:t>
-              </a:r>
-              <a:endParaRPr lang="zh-HK" altLang="en-US" sz="2400" b="1" spc="300" dirty="0">
-                <a:solidFill>
-                  <a:srgbClr val="0174AB"/>
-                </a:solidFill>
-                <a:latin typeface="微软雅黑" panose="020B0503020204020204" pitchFamily="34" charset="-122"/>
-                <a:ea typeface="微软雅黑" panose="020B0503020204020204" pitchFamily="34" charset="-122"/>
-              </a:endParaRPr>
-            </a:p>
-          </p:txBody>
-        </p:sp>
-      </p:grpSp>
       <p:grpSp>
         <p:nvGrpSpPr>
           <p:cNvPr id="7" name="Group 4"/>
